--- a/안드로이드 앱.pptx
+++ b/안드로이드 앱.pptx
@@ -9,6 +9,7 @@
     <p:sldId id="257" r:id="rId3"/>
     <p:sldId id="258" r:id="rId4"/>
     <p:sldId id="259" r:id="rId5"/>
+    <p:sldId id="260" r:id="rId6"/>
   </p:sldIdLst>
   <p:sldSz cx="12192000" cy="6858000"/>
   <p:notesSz cx="6858000" cy="9144000"/>
@@ -107,6 +108,11 @@
       </a:defRPr>
     </a:lvl9pPr>
   </p:defaultTextStyle>
+  <p:extLst>
+    <p:ext uri="{EFAFB233-063F-42B5-8137-9DF3F51BA10A}">
+      <p15:sldGuideLst xmlns:p15="http://schemas.microsoft.com/office/powerpoint/2012/main"/>
+    </p:ext>
+  </p:extLst>
 </p:presentation>
 </file>
 
@@ -257,7 +263,7 @@
           <a:p>
             <a:fld id="{9CB2071D-A289-4269-9F62-267B0D5E1702}" type="datetimeFigureOut">
               <a:rPr lang="ko-KR" altLang="en-US" smtClean="0"/>
-              <a:t>2021-05-04</a:t>
+              <a:t>2021-05-12</a:t>
             </a:fld>
             <a:endParaRPr lang="ko-KR" altLang="en-US"/>
           </a:p>
@@ -455,7 +461,7 @@
           <a:p>
             <a:fld id="{9CB2071D-A289-4269-9F62-267B0D5E1702}" type="datetimeFigureOut">
               <a:rPr lang="ko-KR" altLang="en-US" smtClean="0"/>
-              <a:t>2021-05-04</a:t>
+              <a:t>2021-05-12</a:t>
             </a:fld>
             <a:endParaRPr lang="ko-KR" altLang="en-US"/>
           </a:p>
@@ -663,7 +669,7 @@
           <a:p>
             <a:fld id="{9CB2071D-A289-4269-9F62-267B0D5E1702}" type="datetimeFigureOut">
               <a:rPr lang="ko-KR" altLang="en-US" smtClean="0"/>
-              <a:t>2021-05-04</a:t>
+              <a:t>2021-05-12</a:t>
             </a:fld>
             <a:endParaRPr lang="ko-KR" altLang="en-US"/>
           </a:p>
@@ -861,7 +867,7 @@
           <a:p>
             <a:fld id="{9CB2071D-A289-4269-9F62-267B0D5E1702}" type="datetimeFigureOut">
               <a:rPr lang="ko-KR" altLang="en-US" smtClean="0"/>
-              <a:t>2021-05-04</a:t>
+              <a:t>2021-05-12</a:t>
             </a:fld>
             <a:endParaRPr lang="ko-KR" altLang="en-US"/>
           </a:p>
@@ -1136,7 +1142,7 @@
           <a:p>
             <a:fld id="{9CB2071D-A289-4269-9F62-267B0D5E1702}" type="datetimeFigureOut">
               <a:rPr lang="ko-KR" altLang="en-US" smtClean="0"/>
-              <a:t>2021-05-04</a:t>
+              <a:t>2021-05-12</a:t>
             </a:fld>
             <a:endParaRPr lang="ko-KR" altLang="en-US"/>
           </a:p>
@@ -1401,7 +1407,7 @@
           <a:p>
             <a:fld id="{9CB2071D-A289-4269-9F62-267B0D5E1702}" type="datetimeFigureOut">
               <a:rPr lang="ko-KR" altLang="en-US" smtClean="0"/>
-              <a:t>2021-05-04</a:t>
+              <a:t>2021-05-12</a:t>
             </a:fld>
             <a:endParaRPr lang="ko-KR" altLang="en-US"/>
           </a:p>
@@ -1813,7 +1819,7 @@
           <a:p>
             <a:fld id="{9CB2071D-A289-4269-9F62-267B0D5E1702}" type="datetimeFigureOut">
               <a:rPr lang="ko-KR" altLang="en-US" smtClean="0"/>
-              <a:t>2021-05-04</a:t>
+              <a:t>2021-05-12</a:t>
             </a:fld>
             <a:endParaRPr lang="ko-KR" altLang="en-US"/>
           </a:p>
@@ -1954,7 +1960,7 @@
           <a:p>
             <a:fld id="{9CB2071D-A289-4269-9F62-267B0D5E1702}" type="datetimeFigureOut">
               <a:rPr lang="ko-KR" altLang="en-US" smtClean="0"/>
-              <a:t>2021-05-04</a:t>
+              <a:t>2021-05-12</a:t>
             </a:fld>
             <a:endParaRPr lang="ko-KR" altLang="en-US"/>
           </a:p>
@@ -2067,7 +2073,7 @@
           <a:p>
             <a:fld id="{9CB2071D-A289-4269-9F62-267B0D5E1702}" type="datetimeFigureOut">
               <a:rPr lang="ko-KR" altLang="en-US" smtClean="0"/>
-              <a:t>2021-05-04</a:t>
+              <a:t>2021-05-12</a:t>
             </a:fld>
             <a:endParaRPr lang="ko-KR" altLang="en-US"/>
           </a:p>
@@ -2378,7 +2384,7 @@
           <a:p>
             <a:fld id="{9CB2071D-A289-4269-9F62-267B0D5E1702}" type="datetimeFigureOut">
               <a:rPr lang="ko-KR" altLang="en-US" smtClean="0"/>
-              <a:t>2021-05-04</a:t>
+              <a:t>2021-05-12</a:t>
             </a:fld>
             <a:endParaRPr lang="ko-KR" altLang="en-US"/>
           </a:p>
@@ -2666,7 +2672,7 @@
           <a:p>
             <a:fld id="{9CB2071D-A289-4269-9F62-267B0D5E1702}" type="datetimeFigureOut">
               <a:rPr lang="ko-KR" altLang="en-US" smtClean="0"/>
-              <a:t>2021-05-04</a:t>
+              <a:t>2021-05-12</a:t>
             </a:fld>
             <a:endParaRPr lang="ko-KR" altLang="en-US"/>
           </a:p>
@@ -2907,7 +2913,7 @@
           <a:p>
             <a:fld id="{9CB2071D-A289-4269-9F62-267B0D5E1702}" type="datetimeFigureOut">
               <a:rPr lang="ko-KR" altLang="en-US" smtClean="0"/>
-              <a:t>2021-05-04</a:t>
+              <a:t>2021-05-12</a:t>
             </a:fld>
             <a:endParaRPr lang="ko-KR" altLang="en-US"/>
           </a:p>
@@ -4480,7 +4486,7 @@
         </p:nvSpPr>
         <p:spPr>
           <a:xfrm>
-            <a:off x="140677" y="158262"/>
+            <a:off x="140677" y="140677"/>
             <a:ext cx="1855177" cy="580292"/>
           </a:xfrm>
           <a:prstGeom prst="rect">
@@ -5626,6 +5632,1126 @@
     <p:extLst>
       <p:ext uri="{BB962C8B-B14F-4D97-AF65-F5344CB8AC3E}">
         <p14:creationId xmlns:p14="http://schemas.microsoft.com/office/powerpoint/2010/main" val="3521475249"/>
+      </p:ext>
+    </p:extLst>
+  </p:cSld>
+  <p:clrMapOvr>
+    <a:masterClrMapping/>
+  </p:clrMapOvr>
+</p:sld>
+</file>
+
+<file path=ppt/slides/slide5.xml><?xml version="1.0" encoding="utf-8"?>
+<p:sld xmlns:a="http://schemas.openxmlformats.org/drawingml/2006/main" xmlns:r="http://schemas.openxmlformats.org/officeDocument/2006/relationships" xmlns:p="http://schemas.openxmlformats.org/presentationml/2006/main">
+  <p:cSld>
+    <p:spTree>
+      <p:nvGrpSpPr>
+        <p:cNvPr id="1" name=""/>
+        <p:cNvGrpSpPr/>
+        <p:nvPr/>
+      </p:nvGrpSpPr>
+      <p:grpSpPr>
+        <a:xfrm>
+          <a:off x="0" y="0"/>
+          <a:ext cx="0" cy="0"/>
+          <a:chOff x="0" y="0"/>
+          <a:chExt cx="0" cy="0"/>
+        </a:xfrm>
+      </p:grpSpPr>
+      <p:sp>
+        <p:nvSpPr>
+          <p:cNvPr id="4" name="직사각형 3">
+            <a:extLst>
+              <a:ext uri="{FF2B5EF4-FFF2-40B4-BE49-F238E27FC236}">
+                <a16:creationId xmlns:a16="http://schemas.microsoft.com/office/drawing/2014/main" id="{1C5668FF-A9D7-4FDF-B47D-D3C9FFEE565E}"/>
+              </a:ext>
+            </a:extLst>
+          </p:cNvPr>
+          <p:cNvSpPr/>
+          <p:nvPr/>
+        </p:nvSpPr>
+        <p:spPr>
+          <a:xfrm>
+            <a:off x="2233246" y="514350"/>
+            <a:ext cx="4185139" cy="5829300"/>
+          </a:xfrm>
+          <a:prstGeom prst="rect">
+            <a:avLst/>
+          </a:prstGeom>
+          <a:solidFill>
+            <a:schemeClr val="bg1"/>
+          </a:solidFill>
+        </p:spPr>
+        <p:style>
+          <a:lnRef idx="2">
+            <a:schemeClr val="accent1">
+              <a:shade val="50000"/>
+            </a:schemeClr>
+          </a:lnRef>
+          <a:fillRef idx="1">
+            <a:schemeClr val="accent1"/>
+          </a:fillRef>
+          <a:effectRef idx="0">
+            <a:schemeClr val="accent1"/>
+          </a:effectRef>
+          <a:fontRef idx="minor">
+            <a:schemeClr val="lt1"/>
+          </a:fontRef>
+        </p:style>
+        <p:txBody>
+          <a:bodyPr rtlCol="0" anchor="ctr"/>
+          <a:lstStyle/>
+          <a:p>
+            <a:pPr algn="ctr"/>
+            <a:endParaRPr lang="ko-KR" altLang="en-US"/>
+          </a:p>
+        </p:txBody>
+      </p:sp>
+      <p:sp>
+        <p:nvSpPr>
+          <p:cNvPr id="5" name="직사각형 4">
+            <a:extLst>
+              <a:ext uri="{FF2B5EF4-FFF2-40B4-BE49-F238E27FC236}">
+                <a16:creationId xmlns:a16="http://schemas.microsoft.com/office/drawing/2014/main" id="{04F824D1-6A21-40D0-AE36-4A1040EB4477}"/>
+              </a:ext>
+            </a:extLst>
+          </p:cNvPr>
+          <p:cNvSpPr/>
+          <p:nvPr/>
+        </p:nvSpPr>
+        <p:spPr>
+          <a:xfrm>
+            <a:off x="140677" y="140677"/>
+            <a:ext cx="1855177" cy="580292"/>
+          </a:xfrm>
+          <a:prstGeom prst="rect">
+            <a:avLst/>
+          </a:prstGeom>
+        </p:spPr>
+        <p:style>
+          <a:lnRef idx="2">
+            <a:schemeClr val="accent1">
+              <a:shade val="50000"/>
+            </a:schemeClr>
+          </a:lnRef>
+          <a:fillRef idx="1">
+            <a:schemeClr val="accent1"/>
+          </a:fillRef>
+          <a:effectRef idx="0">
+            <a:schemeClr val="accent1"/>
+          </a:effectRef>
+          <a:fontRef idx="minor">
+            <a:schemeClr val="lt1"/>
+          </a:fontRef>
+        </p:style>
+        <p:txBody>
+          <a:bodyPr rtlCol="0" anchor="ctr"/>
+          <a:lstStyle/>
+          <a:p>
+            <a:pPr algn="ctr"/>
+            <a:r>
+              <a:rPr lang="ko-KR" altLang="en-US" dirty="0"/>
+              <a:t>채팅 방</a:t>
+            </a:r>
+          </a:p>
+        </p:txBody>
+      </p:sp>
+      <p:sp>
+        <p:nvSpPr>
+          <p:cNvPr id="6" name="직사각형 5">
+            <a:extLst>
+              <a:ext uri="{FF2B5EF4-FFF2-40B4-BE49-F238E27FC236}">
+                <a16:creationId xmlns:a16="http://schemas.microsoft.com/office/drawing/2014/main" id="{E478CD6E-5C05-4AE6-AF33-A790F89E5E0E}"/>
+              </a:ext>
+            </a:extLst>
+          </p:cNvPr>
+          <p:cNvSpPr/>
+          <p:nvPr/>
+        </p:nvSpPr>
+        <p:spPr>
+          <a:xfrm>
+            <a:off x="2233246" y="514350"/>
+            <a:ext cx="4185139" cy="936381"/>
+          </a:xfrm>
+          <a:prstGeom prst="rect">
+            <a:avLst/>
+          </a:prstGeom>
+        </p:spPr>
+        <p:style>
+          <a:lnRef idx="2">
+            <a:schemeClr val="accent1">
+              <a:shade val="50000"/>
+            </a:schemeClr>
+          </a:lnRef>
+          <a:fillRef idx="1">
+            <a:schemeClr val="accent1"/>
+          </a:fillRef>
+          <a:effectRef idx="0">
+            <a:schemeClr val="accent1"/>
+          </a:effectRef>
+          <a:fontRef idx="minor">
+            <a:schemeClr val="lt1"/>
+          </a:fontRef>
+        </p:style>
+        <p:txBody>
+          <a:bodyPr rtlCol="0" anchor="ctr"/>
+          <a:lstStyle/>
+          <a:p>
+            <a:pPr algn="ctr"/>
+            <a:r>
+              <a:rPr lang="ko-KR" altLang="en-US"/>
+              <a:t>제목</a:t>
+            </a:r>
+          </a:p>
+        </p:txBody>
+      </p:sp>
+      <p:sp>
+        <p:nvSpPr>
+          <p:cNvPr id="7" name="직사각형 6">
+            <a:extLst>
+              <a:ext uri="{FF2B5EF4-FFF2-40B4-BE49-F238E27FC236}">
+                <a16:creationId xmlns:a16="http://schemas.microsoft.com/office/drawing/2014/main" id="{E219E8D0-5134-4A92-AC6C-B2FAE26F21E1}"/>
+              </a:ext>
+            </a:extLst>
+          </p:cNvPr>
+          <p:cNvSpPr/>
+          <p:nvPr/>
+        </p:nvSpPr>
+        <p:spPr>
+          <a:xfrm>
+            <a:off x="2233245" y="1448532"/>
+            <a:ext cx="4185139" cy="3624630"/>
+          </a:xfrm>
+          <a:prstGeom prst="rect">
+            <a:avLst/>
+          </a:prstGeom>
+        </p:spPr>
+        <p:style>
+          <a:lnRef idx="2">
+            <a:schemeClr val="accent2">
+              <a:shade val="50000"/>
+            </a:schemeClr>
+          </a:lnRef>
+          <a:fillRef idx="1">
+            <a:schemeClr val="accent2"/>
+          </a:fillRef>
+          <a:effectRef idx="0">
+            <a:schemeClr val="accent2"/>
+          </a:effectRef>
+          <a:fontRef idx="minor">
+            <a:schemeClr val="lt1"/>
+          </a:fontRef>
+        </p:style>
+        <p:txBody>
+          <a:bodyPr rtlCol="0" anchor="ctr"/>
+          <a:lstStyle/>
+          <a:p>
+            <a:pPr algn="ctr"/>
+            <a:r>
+              <a:rPr lang="ko-KR" altLang="en-US" dirty="0"/>
+              <a:t>채팅</a:t>
+            </a:r>
+          </a:p>
+        </p:txBody>
+      </p:sp>
+      <p:sp>
+        <p:nvSpPr>
+          <p:cNvPr id="8" name="직사각형 7">
+            <a:extLst>
+              <a:ext uri="{FF2B5EF4-FFF2-40B4-BE49-F238E27FC236}">
+                <a16:creationId xmlns:a16="http://schemas.microsoft.com/office/drawing/2014/main" id="{8C83EF57-37CD-4729-B26E-BF23312850EE}"/>
+              </a:ext>
+            </a:extLst>
+          </p:cNvPr>
+          <p:cNvSpPr/>
+          <p:nvPr/>
+        </p:nvSpPr>
+        <p:spPr>
+          <a:xfrm>
+            <a:off x="2233245" y="5073162"/>
+            <a:ext cx="4185139" cy="1270488"/>
+          </a:xfrm>
+          <a:prstGeom prst="rect">
+            <a:avLst/>
+          </a:prstGeom>
+        </p:spPr>
+        <p:style>
+          <a:lnRef idx="2">
+            <a:schemeClr val="accent1">
+              <a:shade val="50000"/>
+            </a:schemeClr>
+          </a:lnRef>
+          <a:fillRef idx="1">
+            <a:schemeClr val="accent1"/>
+          </a:fillRef>
+          <a:effectRef idx="0">
+            <a:schemeClr val="accent1"/>
+          </a:effectRef>
+          <a:fontRef idx="minor">
+            <a:schemeClr val="lt1"/>
+          </a:fontRef>
+        </p:style>
+        <p:txBody>
+          <a:bodyPr rtlCol="0" anchor="ctr"/>
+          <a:lstStyle/>
+          <a:p>
+            <a:pPr algn="ctr"/>
+            <a:endParaRPr lang="ko-KR" altLang="en-US"/>
+          </a:p>
+        </p:txBody>
+      </p:sp>
+      <p:sp>
+        <p:nvSpPr>
+          <p:cNvPr id="9" name="직사각형 8">
+            <a:extLst>
+              <a:ext uri="{FF2B5EF4-FFF2-40B4-BE49-F238E27FC236}">
+                <a16:creationId xmlns:a16="http://schemas.microsoft.com/office/drawing/2014/main" id="{E28A4CAB-13FB-4F9F-80CA-564AE36FB653}"/>
+              </a:ext>
+            </a:extLst>
+          </p:cNvPr>
+          <p:cNvSpPr/>
+          <p:nvPr/>
+        </p:nvSpPr>
+        <p:spPr>
+          <a:xfrm>
+            <a:off x="2602523" y="5530362"/>
+            <a:ext cx="2338754" cy="386861"/>
+          </a:xfrm>
+          <a:prstGeom prst="rect">
+            <a:avLst/>
+          </a:prstGeom>
+        </p:spPr>
+        <p:style>
+          <a:lnRef idx="2">
+            <a:schemeClr val="accent4">
+              <a:shade val="50000"/>
+            </a:schemeClr>
+          </a:lnRef>
+          <a:fillRef idx="1">
+            <a:schemeClr val="accent4"/>
+          </a:fillRef>
+          <a:effectRef idx="0">
+            <a:schemeClr val="accent4"/>
+          </a:effectRef>
+          <a:fontRef idx="minor">
+            <a:schemeClr val="lt1"/>
+          </a:fontRef>
+        </p:style>
+        <p:txBody>
+          <a:bodyPr rtlCol="0" anchor="ctr"/>
+          <a:lstStyle/>
+          <a:p>
+            <a:pPr algn="ctr"/>
+            <a:r>
+              <a:rPr lang="ko-KR" altLang="en-US" dirty="0"/>
+              <a:t>채팅 입력</a:t>
+            </a:r>
+          </a:p>
+        </p:txBody>
+      </p:sp>
+      <p:sp>
+        <p:nvSpPr>
+          <p:cNvPr id="10" name="직사각형 9">
+            <a:extLst>
+              <a:ext uri="{FF2B5EF4-FFF2-40B4-BE49-F238E27FC236}">
+                <a16:creationId xmlns:a16="http://schemas.microsoft.com/office/drawing/2014/main" id="{4DB069A8-1AA9-44DC-99E0-881AEA1EE3FF}"/>
+              </a:ext>
+            </a:extLst>
+          </p:cNvPr>
+          <p:cNvSpPr/>
+          <p:nvPr/>
+        </p:nvSpPr>
+        <p:spPr>
+          <a:xfrm>
+            <a:off x="5152292" y="5530362"/>
+            <a:ext cx="943708" cy="386861"/>
+          </a:xfrm>
+          <a:prstGeom prst="rect">
+            <a:avLst/>
+          </a:prstGeom>
+        </p:spPr>
+        <p:style>
+          <a:lnRef idx="2">
+            <a:schemeClr val="accent3">
+              <a:shade val="50000"/>
+            </a:schemeClr>
+          </a:lnRef>
+          <a:fillRef idx="1">
+            <a:schemeClr val="accent3"/>
+          </a:fillRef>
+          <a:effectRef idx="0">
+            <a:schemeClr val="accent3"/>
+          </a:effectRef>
+          <a:fontRef idx="minor">
+            <a:schemeClr val="lt1"/>
+          </a:fontRef>
+        </p:style>
+        <p:txBody>
+          <a:bodyPr rtlCol="0" anchor="ctr"/>
+          <a:lstStyle/>
+          <a:p>
+            <a:pPr algn="ctr"/>
+            <a:r>
+              <a:rPr lang="ko-KR" altLang="en-US" dirty="0"/>
+              <a:t>보내기</a:t>
+            </a:r>
+          </a:p>
+        </p:txBody>
+      </p:sp>
+      <p:sp>
+        <p:nvSpPr>
+          <p:cNvPr id="11" name="직사각형 10">
+            <a:extLst>
+              <a:ext uri="{FF2B5EF4-FFF2-40B4-BE49-F238E27FC236}">
+                <a16:creationId xmlns:a16="http://schemas.microsoft.com/office/drawing/2014/main" id="{D94A0DDC-93E9-449A-8159-2A2CFF31D5B5}"/>
+              </a:ext>
+            </a:extLst>
+          </p:cNvPr>
+          <p:cNvSpPr/>
+          <p:nvPr/>
+        </p:nvSpPr>
+        <p:spPr>
+          <a:xfrm>
+            <a:off x="7496908" y="514350"/>
+            <a:ext cx="4185139" cy="5829300"/>
+          </a:xfrm>
+          <a:prstGeom prst="rect">
+            <a:avLst/>
+          </a:prstGeom>
+          <a:solidFill>
+            <a:schemeClr val="bg1"/>
+          </a:solidFill>
+        </p:spPr>
+        <p:style>
+          <a:lnRef idx="2">
+            <a:schemeClr val="accent1">
+              <a:shade val="50000"/>
+            </a:schemeClr>
+          </a:lnRef>
+          <a:fillRef idx="1">
+            <a:schemeClr val="accent1"/>
+          </a:fillRef>
+          <a:effectRef idx="0">
+            <a:schemeClr val="accent1"/>
+          </a:effectRef>
+          <a:fontRef idx="minor">
+            <a:schemeClr val="lt1"/>
+          </a:fontRef>
+        </p:style>
+        <p:txBody>
+          <a:bodyPr rtlCol="0" anchor="ctr"/>
+          <a:lstStyle/>
+          <a:p>
+            <a:pPr algn="ctr"/>
+            <a:endParaRPr lang="ko-KR" altLang="en-US"/>
+          </a:p>
+        </p:txBody>
+      </p:sp>
+      <p:sp>
+        <p:nvSpPr>
+          <p:cNvPr id="12" name="직사각형 11">
+            <a:extLst>
+              <a:ext uri="{FF2B5EF4-FFF2-40B4-BE49-F238E27FC236}">
+                <a16:creationId xmlns:a16="http://schemas.microsoft.com/office/drawing/2014/main" id="{C77A8C36-17AF-4139-A366-92C1096F112E}"/>
+              </a:ext>
+            </a:extLst>
+          </p:cNvPr>
+          <p:cNvSpPr/>
+          <p:nvPr/>
+        </p:nvSpPr>
+        <p:spPr>
+          <a:xfrm>
+            <a:off x="7496908" y="514350"/>
+            <a:ext cx="4185139" cy="936381"/>
+          </a:xfrm>
+          <a:prstGeom prst="rect">
+            <a:avLst/>
+          </a:prstGeom>
+        </p:spPr>
+        <p:style>
+          <a:lnRef idx="2">
+            <a:schemeClr val="accent1">
+              <a:shade val="50000"/>
+            </a:schemeClr>
+          </a:lnRef>
+          <a:fillRef idx="1">
+            <a:schemeClr val="accent1"/>
+          </a:fillRef>
+          <a:effectRef idx="0">
+            <a:schemeClr val="accent1"/>
+          </a:effectRef>
+          <a:fontRef idx="minor">
+            <a:schemeClr val="lt1"/>
+          </a:fontRef>
+        </p:style>
+        <p:txBody>
+          <a:bodyPr rtlCol="0" anchor="ctr"/>
+          <a:lstStyle/>
+          <a:p>
+            <a:pPr algn="ctr"/>
+            <a:r>
+              <a:rPr lang="ko-KR" altLang="en-US"/>
+              <a:t>제목</a:t>
+            </a:r>
+          </a:p>
+        </p:txBody>
+      </p:sp>
+      <p:sp>
+        <p:nvSpPr>
+          <p:cNvPr id="13" name="직사각형 12">
+            <a:extLst>
+              <a:ext uri="{FF2B5EF4-FFF2-40B4-BE49-F238E27FC236}">
+                <a16:creationId xmlns:a16="http://schemas.microsoft.com/office/drawing/2014/main" id="{57246E72-85EE-4EAA-B2B1-C4B738F5E6A6}"/>
+              </a:ext>
+            </a:extLst>
+          </p:cNvPr>
+          <p:cNvSpPr/>
+          <p:nvPr/>
+        </p:nvSpPr>
+        <p:spPr>
+          <a:xfrm>
+            <a:off x="7496907" y="1448532"/>
+            <a:ext cx="4185139" cy="3624630"/>
+          </a:xfrm>
+          <a:prstGeom prst="rect">
+            <a:avLst/>
+          </a:prstGeom>
+        </p:spPr>
+        <p:style>
+          <a:lnRef idx="2">
+            <a:schemeClr val="accent2">
+              <a:shade val="50000"/>
+            </a:schemeClr>
+          </a:lnRef>
+          <a:fillRef idx="1">
+            <a:schemeClr val="accent2"/>
+          </a:fillRef>
+          <a:effectRef idx="0">
+            <a:schemeClr val="accent2"/>
+          </a:effectRef>
+          <a:fontRef idx="minor">
+            <a:schemeClr val="lt1"/>
+          </a:fontRef>
+        </p:style>
+        <p:txBody>
+          <a:bodyPr rtlCol="0" anchor="ctr"/>
+          <a:lstStyle/>
+          <a:p>
+            <a:pPr algn="ctr"/>
+            <a:r>
+              <a:rPr lang="ko-KR" altLang="en-US" dirty="0"/>
+              <a:t>채팅</a:t>
+            </a:r>
+          </a:p>
+        </p:txBody>
+      </p:sp>
+      <p:sp>
+        <p:nvSpPr>
+          <p:cNvPr id="14" name="직사각형 13">
+            <a:extLst>
+              <a:ext uri="{FF2B5EF4-FFF2-40B4-BE49-F238E27FC236}">
+                <a16:creationId xmlns:a16="http://schemas.microsoft.com/office/drawing/2014/main" id="{CE43BD87-AA9F-4048-8DA9-A7A7F5F5362B}"/>
+              </a:ext>
+            </a:extLst>
+          </p:cNvPr>
+          <p:cNvSpPr/>
+          <p:nvPr/>
+        </p:nvSpPr>
+        <p:spPr>
+          <a:xfrm>
+            <a:off x="7496907" y="5073162"/>
+            <a:ext cx="4185139" cy="1270488"/>
+          </a:xfrm>
+          <a:prstGeom prst="rect">
+            <a:avLst/>
+          </a:prstGeom>
+        </p:spPr>
+        <p:style>
+          <a:lnRef idx="2">
+            <a:schemeClr val="accent1">
+              <a:shade val="50000"/>
+            </a:schemeClr>
+          </a:lnRef>
+          <a:fillRef idx="1">
+            <a:schemeClr val="accent1"/>
+          </a:fillRef>
+          <a:effectRef idx="0">
+            <a:schemeClr val="accent1"/>
+          </a:effectRef>
+          <a:fontRef idx="minor">
+            <a:schemeClr val="lt1"/>
+          </a:fontRef>
+        </p:style>
+        <p:txBody>
+          <a:bodyPr rtlCol="0" anchor="ctr"/>
+          <a:lstStyle/>
+          <a:p>
+            <a:pPr algn="ctr"/>
+            <a:endParaRPr lang="ko-KR" altLang="en-US"/>
+          </a:p>
+        </p:txBody>
+      </p:sp>
+      <p:sp>
+        <p:nvSpPr>
+          <p:cNvPr id="15" name="직사각형 14">
+            <a:extLst>
+              <a:ext uri="{FF2B5EF4-FFF2-40B4-BE49-F238E27FC236}">
+                <a16:creationId xmlns:a16="http://schemas.microsoft.com/office/drawing/2014/main" id="{0F785163-8011-4632-AE79-34B55084AF7D}"/>
+              </a:ext>
+            </a:extLst>
+          </p:cNvPr>
+          <p:cNvSpPr/>
+          <p:nvPr/>
+        </p:nvSpPr>
+        <p:spPr>
+          <a:xfrm>
+            <a:off x="7866185" y="5530362"/>
+            <a:ext cx="2338754" cy="386861"/>
+          </a:xfrm>
+          <a:prstGeom prst="rect">
+            <a:avLst/>
+          </a:prstGeom>
+        </p:spPr>
+        <p:style>
+          <a:lnRef idx="2">
+            <a:schemeClr val="accent4">
+              <a:shade val="50000"/>
+            </a:schemeClr>
+          </a:lnRef>
+          <a:fillRef idx="1">
+            <a:schemeClr val="accent4"/>
+          </a:fillRef>
+          <a:effectRef idx="0">
+            <a:schemeClr val="accent4"/>
+          </a:effectRef>
+          <a:fontRef idx="minor">
+            <a:schemeClr val="lt1"/>
+          </a:fontRef>
+        </p:style>
+        <p:txBody>
+          <a:bodyPr rtlCol="0" anchor="ctr"/>
+          <a:lstStyle/>
+          <a:p>
+            <a:pPr algn="ctr"/>
+            <a:r>
+              <a:rPr lang="ko-KR" altLang="en-US" dirty="0"/>
+              <a:t>채팅 입력</a:t>
+            </a:r>
+          </a:p>
+        </p:txBody>
+      </p:sp>
+      <p:sp>
+        <p:nvSpPr>
+          <p:cNvPr id="16" name="직사각형 15">
+            <a:extLst>
+              <a:ext uri="{FF2B5EF4-FFF2-40B4-BE49-F238E27FC236}">
+                <a16:creationId xmlns:a16="http://schemas.microsoft.com/office/drawing/2014/main" id="{D9FBE9B3-E1B6-49E9-A753-0366C11FBAAE}"/>
+              </a:ext>
+            </a:extLst>
+          </p:cNvPr>
+          <p:cNvSpPr/>
+          <p:nvPr/>
+        </p:nvSpPr>
+        <p:spPr>
+          <a:xfrm>
+            <a:off x="10415954" y="5530362"/>
+            <a:ext cx="943708" cy="386861"/>
+          </a:xfrm>
+          <a:prstGeom prst="rect">
+            <a:avLst/>
+          </a:prstGeom>
+        </p:spPr>
+        <p:style>
+          <a:lnRef idx="2">
+            <a:schemeClr val="accent3">
+              <a:shade val="50000"/>
+            </a:schemeClr>
+          </a:lnRef>
+          <a:fillRef idx="1">
+            <a:schemeClr val="accent3"/>
+          </a:fillRef>
+          <a:effectRef idx="0">
+            <a:schemeClr val="accent3"/>
+          </a:effectRef>
+          <a:fontRef idx="minor">
+            <a:schemeClr val="lt1"/>
+          </a:fontRef>
+        </p:style>
+        <p:txBody>
+          <a:bodyPr rtlCol="0" anchor="ctr"/>
+          <a:lstStyle/>
+          <a:p>
+            <a:pPr algn="ctr"/>
+            <a:r>
+              <a:rPr lang="ko-KR" altLang="en-US" dirty="0"/>
+              <a:t>보내기</a:t>
+            </a:r>
+          </a:p>
+        </p:txBody>
+      </p:sp>
+      <p:sp>
+        <p:nvSpPr>
+          <p:cNvPr id="17" name="직사각형 16">
+            <a:extLst>
+              <a:ext uri="{FF2B5EF4-FFF2-40B4-BE49-F238E27FC236}">
+                <a16:creationId xmlns:a16="http://schemas.microsoft.com/office/drawing/2014/main" id="{ABC0D428-2499-4FFF-BE8C-2B54D232C4ED}"/>
+              </a:ext>
+            </a:extLst>
+          </p:cNvPr>
+          <p:cNvSpPr/>
+          <p:nvPr/>
+        </p:nvSpPr>
+        <p:spPr>
+          <a:xfrm>
+            <a:off x="7496907" y="514350"/>
+            <a:ext cx="2919046" cy="5829300"/>
+          </a:xfrm>
+          <a:prstGeom prst="rect">
+            <a:avLst/>
+          </a:prstGeom>
+        </p:spPr>
+        <p:style>
+          <a:lnRef idx="2">
+            <a:schemeClr val="accent6">
+              <a:shade val="50000"/>
+            </a:schemeClr>
+          </a:lnRef>
+          <a:fillRef idx="1">
+            <a:schemeClr val="accent6"/>
+          </a:fillRef>
+          <a:effectRef idx="0">
+            <a:schemeClr val="accent6"/>
+          </a:effectRef>
+          <a:fontRef idx="minor">
+            <a:schemeClr val="lt1"/>
+          </a:fontRef>
+        </p:style>
+        <p:txBody>
+          <a:bodyPr rtlCol="0" anchor="ctr"/>
+          <a:lstStyle/>
+          <a:p>
+            <a:pPr algn="ctr"/>
+            <a:endParaRPr lang="ko-KR" altLang="en-US"/>
+          </a:p>
+        </p:txBody>
+      </p:sp>
+      <p:sp>
+        <p:nvSpPr>
+          <p:cNvPr id="18" name="직사각형 17">
+            <a:extLst>
+              <a:ext uri="{FF2B5EF4-FFF2-40B4-BE49-F238E27FC236}">
+                <a16:creationId xmlns:a16="http://schemas.microsoft.com/office/drawing/2014/main" id="{5935DD38-0F04-4205-87EC-F71F2B526CB9}"/>
+              </a:ext>
+            </a:extLst>
+          </p:cNvPr>
+          <p:cNvSpPr/>
+          <p:nvPr/>
+        </p:nvSpPr>
+        <p:spPr>
+          <a:xfrm>
+            <a:off x="7702062" y="641838"/>
+            <a:ext cx="2502877" cy="380267"/>
+          </a:xfrm>
+          <a:prstGeom prst="rect">
+            <a:avLst/>
+          </a:prstGeom>
+        </p:spPr>
+        <p:style>
+          <a:lnRef idx="2">
+            <a:schemeClr val="accent1">
+              <a:shade val="50000"/>
+            </a:schemeClr>
+          </a:lnRef>
+          <a:fillRef idx="1">
+            <a:schemeClr val="accent1"/>
+          </a:fillRef>
+          <a:effectRef idx="0">
+            <a:schemeClr val="accent1"/>
+          </a:effectRef>
+          <a:fontRef idx="minor">
+            <a:schemeClr val="lt1"/>
+          </a:fontRef>
+        </p:style>
+        <p:txBody>
+          <a:bodyPr rtlCol="0" anchor="ctr"/>
+          <a:lstStyle/>
+          <a:p>
+            <a:pPr algn="ctr"/>
+            <a:r>
+              <a:rPr lang="ko-KR" altLang="en-US" dirty="0"/>
+              <a:t>출발지</a:t>
+            </a:r>
+          </a:p>
+        </p:txBody>
+      </p:sp>
+      <p:sp>
+        <p:nvSpPr>
+          <p:cNvPr id="19" name="직사각형 18">
+            <a:extLst>
+              <a:ext uri="{FF2B5EF4-FFF2-40B4-BE49-F238E27FC236}">
+                <a16:creationId xmlns:a16="http://schemas.microsoft.com/office/drawing/2014/main" id="{0BD4B654-365F-4F32-8E94-4433947B01DB}"/>
+              </a:ext>
+            </a:extLst>
+          </p:cNvPr>
+          <p:cNvSpPr/>
+          <p:nvPr/>
+        </p:nvSpPr>
+        <p:spPr>
+          <a:xfrm>
+            <a:off x="7702062" y="1250706"/>
+            <a:ext cx="2502877" cy="380267"/>
+          </a:xfrm>
+          <a:prstGeom prst="rect">
+            <a:avLst/>
+          </a:prstGeom>
+        </p:spPr>
+        <p:style>
+          <a:lnRef idx="2">
+            <a:schemeClr val="accent1">
+              <a:shade val="50000"/>
+            </a:schemeClr>
+          </a:lnRef>
+          <a:fillRef idx="1">
+            <a:schemeClr val="accent1"/>
+          </a:fillRef>
+          <a:effectRef idx="0">
+            <a:schemeClr val="accent1"/>
+          </a:effectRef>
+          <a:fontRef idx="minor">
+            <a:schemeClr val="lt1"/>
+          </a:fontRef>
+        </p:style>
+        <p:txBody>
+          <a:bodyPr rtlCol="0" anchor="ctr"/>
+          <a:lstStyle/>
+          <a:p>
+            <a:pPr algn="ctr"/>
+            <a:r>
+              <a:rPr lang="ko-KR" altLang="en-US" dirty="0"/>
+              <a:t>도착지</a:t>
+            </a:r>
+          </a:p>
+        </p:txBody>
+      </p:sp>
+      <p:sp>
+        <p:nvSpPr>
+          <p:cNvPr id="20" name="직사각형 19">
+            <a:extLst>
+              <a:ext uri="{FF2B5EF4-FFF2-40B4-BE49-F238E27FC236}">
+                <a16:creationId xmlns:a16="http://schemas.microsoft.com/office/drawing/2014/main" id="{60A21F2C-6D57-4DEB-A90B-D30E344FCAD4}"/>
+              </a:ext>
+            </a:extLst>
+          </p:cNvPr>
+          <p:cNvSpPr/>
+          <p:nvPr/>
+        </p:nvSpPr>
+        <p:spPr>
+          <a:xfrm>
+            <a:off x="7740162" y="2309631"/>
+            <a:ext cx="2502877" cy="380267"/>
+          </a:xfrm>
+          <a:prstGeom prst="rect">
+            <a:avLst/>
+          </a:prstGeom>
+        </p:spPr>
+        <p:style>
+          <a:lnRef idx="2">
+            <a:schemeClr val="accent1">
+              <a:shade val="50000"/>
+            </a:schemeClr>
+          </a:lnRef>
+          <a:fillRef idx="1">
+            <a:schemeClr val="accent1"/>
+          </a:fillRef>
+          <a:effectRef idx="0">
+            <a:schemeClr val="accent1"/>
+          </a:effectRef>
+          <a:fontRef idx="minor">
+            <a:schemeClr val="lt1"/>
+          </a:fontRef>
+        </p:style>
+        <p:txBody>
+          <a:bodyPr rtlCol="0" anchor="ctr"/>
+          <a:lstStyle/>
+          <a:p>
+            <a:pPr algn="ctr"/>
+            <a:r>
+              <a:rPr lang="ko-KR" altLang="en-US" dirty="0"/>
+              <a:t>사람 </a:t>
+            </a:r>
+            <a:r>
+              <a:rPr lang="en-US" altLang="ko-KR" dirty="0"/>
+              <a:t>1</a:t>
+            </a:r>
+            <a:endParaRPr lang="ko-KR" altLang="en-US" dirty="0"/>
+          </a:p>
+        </p:txBody>
+      </p:sp>
+      <p:sp>
+        <p:nvSpPr>
+          <p:cNvPr id="21" name="직사각형 20">
+            <a:extLst>
+              <a:ext uri="{FF2B5EF4-FFF2-40B4-BE49-F238E27FC236}">
+                <a16:creationId xmlns:a16="http://schemas.microsoft.com/office/drawing/2014/main" id="{D35D8EE8-F8F6-4EE1-B633-82B8BB37781D}"/>
+              </a:ext>
+            </a:extLst>
+          </p:cNvPr>
+          <p:cNvSpPr/>
+          <p:nvPr/>
+        </p:nvSpPr>
+        <p:spPr>
+          <a:xfrm>
+            <a:off x="7740162" y="2926191"/>
+            <a:ext cx="2502877" cy="380267"/>
+          </a:xfrm>
+          <a:prstGeom prst="rect">
+            <a:avLst/>
+          </a:prstGeom>
+        </p:spPr>
+        <p:style>
+          <a:lnRef idx="2">
+            <a:schemeClr val="accent1">
+              <a:shade val="50000"/>
+            </a:schemeClr>
+          </a:lnRef>
+          <a:fillRef idx="1">
+            <a:schemeClr val="accent1"/>
+          </a:fillRef>
+          <a:effectRef idx="0">
+            <a:schemeClr val="accent1"/>
+          </a:effectRef>
+          <a:fontRef idx="minor">
+            <a:schemeClr val="lt1"/>
+          </a:fontRef>
+        </p:style>
+        <p:txBody>
+          <a:bodyPr rtlCol="0" anchor="ctr"/>
+          <a:lstStyle/>
+          <a:p>
+            <a:pPr algn="ctr"/>
+            <a:r>
+              <a:rPr lang="ko-KR" altLang="en-US" dirty="0"/>
+              <a:t>사람 </a:t>
+            </a:r>
+            <a:r>
+              <a:rPr lang="en-US" altLang="ko-KR" dirty="0"/>
+              <a:t>2</a:t>
+            </a:r>
+            <a:endParaRPr lang="ko-KR" altLang="en-US" dirty="0"/>
+          </a:p>
+        </p:txBody>
+      </p:sp>
+      <p:sp>
+        <p:nvSpPr>
+          <p:cNvPr id="22" name="직사각형 21">
+            <a:extLst>
+              <a:ext uri="{FF2B5EF4-FFF2-40B4-BE49-F238E27FC236}">
+                <a16:creationId xmlns:a16="http://schemas.microsoft.com/office/drawing/2014/main" id="{AECECFF7-3D85-4641-A428-E5468C57C18D}"/>
+              </a:ext>
+            </a:extLst>
+          </p:cNvPr>
+          <p:cNvSpPr/>
+          <p:nvPr/>
+        </p:nvSpPr>
+        <p:spPr>
+          <a:xfrm>
+            <a:off x="7740161" y="3504284"/>
+            <a:ext cx="2502877" cy="380267"/>
+          </a:xfrm>
+          <a:prstGeom prst="rect">
+            <a:avLst/>
+          </a:prstGeom>
+        </p:spPr>
+        <p:style>
+          <a:lnRef idx="2">
+            <a:schemeClr val="accent1">
+              <a:shade val="50000"/>
+            </a:schemeClr>
+          </a:lnRef>
+          <a:fillRef idx="1">
+            <a:schemeClr val="accent1"/>
+          </a:fillRef>
+          <a:effectRef idx="0">
+            <a:schemeClr val="accent1"/>
+          </a:effectRef>
+          <a:fontRef idx="minor">
+            <a:schemeClr val="lt1"/>
+          </a:fontRef>
+        </p:style>
+        <p:txBody>
+          <a:bodyPr rtlCol="0" anchor="ctr"/>
+          <a:lstStyle/>
+          <a:p>
+            <a:pPr algn="ctr"/>
+            <a:r>
+              <a:rPr lang="ko-KR" altLang="en-US" dirty="0"/>
+              <a:t>사람 </a:t>
+            </a:r>
+            <a:r>
+              <a:rPr lang="en-US" altLang="ko-KR" dirty="0"/>
+              <a:t>3</a:t>
+            </a:r>
+            <a:endParaRPr lang="ko-KR" altLang="en-US" dirty="0"/>
+          </a:p>
+        </p:txBody>
+      </p:sp>
+      <p:sp>
+        <p:nvSpPr>
+          <p:cNvPr id="23" name="직사각형 22">
+            <a:extLst>
+              <a:ext uri="{FF2B5EF4-FFF2-40B4-BE49-F238E27FC236}">
+                <a16:creationId xmlns:a16="http://schemas.microsoft.com/office/drawing/2014/main" id="{A4F484BE-8F2B-41F1-BFE8-E700090BAA87}"/>
+              </a:ext>
+            </a:extLst>
+          </p:cNvPr>
+          <p:cNvSpPr/>
+          <p:nvPr/>
+        </p:nvSpPr>
+        <p:spPr>
+          <a:xfrm>
+            <a:off x="7740161" y="4151617"/>
+            <a:ext cx="2502877" cy="380267"/>
+          </a:xfrm>
+          <a:prstGeom prst="rect">
+            <a:avLst/>
+          </a:prstGeom>
+        </p:spPr>
+        <p:style>
+          <a:lnRef idx="2">
+            <a:schemeClr val="accent1">
+              <a:shade val="50000"/>
+            </a:schemeClr>
+          </a:lnRef>
+          <a:fillRef idx="1">
+            <a:schemeClr val="accent1"/>
+          </a:fillRef>
+          <a:effectRef idx="0">
+            <a:schemeClr val="accent1"/>
+          </a:effectRef>
+          <a:fontRef idx="minor">
+            <a:schemeClr val="lt1"/>
+          </a:fontRef>
+        </p:style>
+        <p:txBody>
+          <a:bodyPr rtlCol="0" anchor="ctr"/>
+          <a:lstStyle/>
+          <a:p>
+            <a:pPr algn="ctr"/>
+            <a:r>
+              <a:rPr lang="ko-KR" altLang="en-US" dirty="0"/>
+              <a:t>사람 </a:t>
+            </a:r>
+            <a:r>
+              <a:rPr lang="en-US" altLang="ko-KR" dirty="0"/>
+              <a:t>4</a:t>
+            </a:r>
+            <a:endParaRPr lang="ko-KR" altLang="en-US" dirty="0"/>
+          </a:p>
+        </p:txBody>
+      </p:sp>
+      <p:sp>
+        <p:nvSpPr>
+          <p:cNvPr id="24" name="직사각형 23">
+            <a:extLst>
+              <a:ext uri="{FF2B5EF4-FFF2-40B4-BE49-F238E27FC236}">
+                <a16:creationId xmlns:a16="http://schemas.microsoft.com/office/drawing/2014/main" id="{A2CB7735-EB22-4FDB-BCC6-1A53F8B784C2}"/>
+              </a:ext>
+            </a:extLst>
+          </p:cNvPr>
+          <p:cNvSpPr/>
+          <p:nvPr/>
+        </p:nvSpPr>
+        <p:spPr>
+          <a:xfrm>
+            <a:off x="7710855" y="1777971"/>
+            <a:ext cx="2502877" cy="380267"/>
+          </a:xfrm>
+          <a:prstGeom prst="rect">
+            <a:avLst/>
+          </a:prstGeom>
+        </p:spPr>
+        <p:style>
+          <a:lnRef idx="2">
+            <a:schemeClr val="accent1">
+              <a:shade val="50000"/>
+            </a:schemeClr>
+          </a:lnRef>
+          <a:fillRef idx="1">
+            <a:schemeClr val="accent1"/>
+          </a:fillRef>
+          <a:effectRef idx="0">
+            <a:schemeClr val="accent1"/>
+          </a:effectRef>
+          <a:fontRef idx="minor">
+            <a:schemeClr val="lt1"/>
+          </a:fontRef>
+        </p:style>
+        <p:txBody>
+          <a:bodyPr rtlCol="0" anchor="ctr"/>
+          <a:lstStyle/>
+          <a:p>
+            <a:pPr algn="ctr"/>
+            <a:r>
+              <a:rPr lang="en-US" altLang="ko-KR" dirty="0"/>
+              <a:t>?/4</a:t>
+            </a:r>
+            <a:endParaRPr lang="ko-KR" altLang="en-US" dirty="0"/>
+          </a:p>
+        </p:txBody>
+      </p:sp>
+      <p:sp>
+        <p:nvSpPr>
+          <p:cNvPr id="25" name="직사각형 24">
+            <a:extLst>
+              <a:ext uri="{FF2B5EF4-FFF2-40B4-BE49-F238E27FC236}">
+                <a16:creationId xmlns:a16="http://schemas.microsoft.com/office/drawing/2014/main" id="{D20B15BB-B603-4A1F-A5AD-2CEB85950AA1}"/>
+              </a:ext>
+            </a:extLst>
+          </p:cNvPr>
+          <p:cNvSpPr/>
+          <p:nvPr/>
+        </p:nvSpPr>
+        <p:spPr>
+          <a:xfrm>
+            <a:off x="7740161" y="4798950"/>
+            <a:ext cx="2502877" cy="380267"/>
+          </a:xfrm>
+          <a:prstGeom prst="rect">
+            <a:avLst/>
+          </a:prstGeom>
+        </p:spPr>
+        <p:style>
+          <a:lnRef idx="2">
+            <a:schemeClr val="accent1">
+              <a:shade val="50000"/>
+            </a:schemeClr>
+          </a:lnRef>
+          <a:fillRef idx="1">
+            <a:schemeClr val="accent1"/>
+          </a:fillRef>
+          <a:effectRef idx="0">
+            <a:schemeClr val="accent1"/>
+          </a:effectRef>
+          <a:fontRef idx="minor">
+            <a:schemeClr val="lt1"/>
+          </a:fontRef>
+        </p:style>
+        <p:txBody>
+          <a:bodyPr rtlCol="0" anchor="ctr"/>
+          <a:lstStyle/>
+          <a:p>
+            <a:pPr algn="ctr"/>
+            <a:r>
+              <a:rPr lang="ko-KR" altLang="en-US" dirty="0"/>
+              <a:t>나가기</a:t>
+            </a:r>
+          </a:p>
+        </p:txBody>
+      </p:sp>
+    </p:spTree>
+    <p:extLst>
+      <p:ext uri="{BB962C8B-B14F-4D97-AF65-F5344CB8AC3E}">
+        <p14:creationId xmlns:p14="http://schemas.microsoft.com/office/powerpoint/2010/main" val="763648533"/>
       </p:ext>
     </p:extLst>
   </p:cSld>
